--- a/MlforClimate.pptx
+++ b/MlforClimate.pptx
@@ -235,7 +235,7 @@
           <a:p>
             <a:fld id="{02E0102F-8ACD-7E4A-BBBD-935D511DDE05}" type="datetimeFigureOut">
               <a:rPr lang="en-US" smtClean="0"/>
-              <a:t>4/27/25</a:t>
+              <a:t>5/11/25</a:t>
             </a:fld>
             <a:endParaRPr lang="en-US"/>
           </a:p>
@@ -1048,7 +1048,7 @@
             <a:fld id="{1D8BD707-D9CF-40AE-B4C6-C98DA3205C09}" type="datetimeFigureOut">
               <a:rPr lang="en-US" smtClean="0"/>
               <a:pPr/>
-              <a:t>4/27/25</a:t>
+              <a:t>5/11/25</a:t>
             </a:fld>
             <a:endParaRPr lang="en-US"/>
           </a:p>
@@ -1213,7 +1213,7 @@
             <a:fld id="{1D8BD707-D9CF-40AE-B4C6-C98DA3205C09}" type="datetimeFigureOut">
               <a:rPr lang="en-US" smtClean="0"/>
               <a:pPr/>
-              <a:t>4/27/25</a:t>
+              <a:t>5/11/25</a:t>
             </a:fld>
             <a:endParaRPr lang="en-US"/>
           </a:p>
@@ -1388,7 +1388,7 @@
             <a:fld id="{1D8BD707-D9CF-40AE-B4C6-C98DA3205C09}" type="datetimeFigureOut">
               <a:rPr lang="en-US" smtClean="0"/>
               <a:pPr/>
-              <a:t>4/27/25</a:t>
+              <a:t>5/11/25</a:t>
             </a:fld>
             <a:endParaRPr lang="en-US"/>
           </a:p>
@@ -1553,7 +1553,7 @@
             <a:fld id="{1D8BD707-D9CF-40AE-B4C6-C98DA3205C09}" type="datetimeFigureOut">
               <a:rPr lang="en-US" smtClean="0"/>
               <a:pPr/>
-              <a:t>4/27/25</a:t>
+              <a:t>5/11/25</a:t>
             </a:fld>
             <a:endParaRPr lang="en-US"/>
           </a:p>
@@ -1795,7 +1795,7 @@
             <a:fld id="{1D8BD707-D9CF-40AE-B4C6-C98DA3205C09}" type="datetimeFigureOut">
               <a:rPr lang="en-US" smtClean="0"/>
               <a:pPr/>
-              <a:t>4/27/25</a:t>
+              <a:t>5/11/25</a:t>
             </a:fld>
             <a:endParaRPr lang="en-US"/>
           </a:p>
@@ -2077,7 +2077,7 @@
             <a:fld id="{1D8BD707-D9CF-40AE-B4C6-C98DA3205C09}" type="datetimeFigureOut">
               <a:rPr lang="en-US" smtClean="0"/>
               <a:pPr/>
-              <a:t>4/27/25</a:t>
+              <a:t>5/11/25</a:t>
             </a:fld>
             <a:endParaRPr lang="en-US"/>
           </a:p>
@@ -2493,7 +2493,7 @@
             <a:fld id="{1D8BD707-D9CF-40AE-B4C6-C98DA3205C09}" type="datetimeFigureOut">
               <a:rPr lang="en-US" smtClean="0"/>
               <a:pPr/>
-              <a:t>4/27/25</a:t>
+              <a:t>5/11/25</a:t>
             </a:fld>
             <a:endParaRPr lang="en-US"/>
           </a:p>
@@ -2607,7 +2607,7 @@
             <a:fld id="{1D8BD707-D9CF-40AE-B4C6-C98DA3205C09}" type="datetimeFigureOut">
               <a:rPr lang="en-US" smtClean="0"/>
               <a:pPr/>
-              <a:t>4/27/25</a:t>
+              <a:t>5/11/25</a:t>
             </a:fld>
             <a:endParaRPr lang="en-US"/>
           </a:p>
@@ -2699,7 +2699,7 @@
             <a:fld id="{1D8BD707-D9CF-40AE-B4C6-C98DA3205C09}" type="datetimeFigureOut">
               <a:rPr lang="en-US" smtClean="0"/>
               <a:pPr/>
-              <a:t>4/27/25</a:t>
+              <a:t>5/11/25</a:t>
             </a:fld>
             <a:endParaRPr lang="en-US"/>
           </a:p>
@@ -2971,7 +2971,7 @@
             <a:fld id="{1D8BD707-D9CF-40AE-B4C6-C98DA3205C09}" type="datetimeFigureOut">
               <a:rPr lang="en-US" smtClean="0"/>
               <a:pPr/>
-              <a:t>4/27/25</a:t>
+              <a:t>5/11/25</a:t>
             </a:fld>
             <a:endParaRPr lang="en-US"/>
           </a:p>
@@ -3220,7 +3220,7 @@
             <a:fld id="{1D8BD707-D9CF-40AE-B4C6-C98DA3205C09}" type="datetimeFigureOut">
               <a:rPr lang="en-US" smtClean="0"/>
               <a:pPr/>
-              <a:t>4/27/25</a:t>
+              <a:t>5/11/25</a:t>
             </a:fld>
             <a:endParaRPr lang="en-US"/>
           </a:p>
@@ -3428,7 +3428,7 @@
             <a:fld id="{1D8BD707-D9CF-40AE-B4C6-C98DA3205C09}" type="datetimeFigureOut">
               <a:rPr lang="en-US" smtClean="0"/>
               <a:pPr/>
-              <a:t>4/27/25</a:t>
+              <a:t>5/11/25</a:t>
             </a:fld>
             <a:endParaRPr lang="en-US"/>
           </a:p>
@@ -5557,14 +5557,14 @@
           <p:nvPr>
             <p:extLst>
               <p:ext uri="{D42A27DB-BD31-4B8C-83A1-F6EECF244321}">
-                <p14:modId xmlns:p14="http://schemas.microsoft.com/office/powerpoint/2010/main" val="1936279683"/>
+                <p14:modId xmlns:p14="http://schemas.microsoft.com/office/powerpoint/2010/main" val="2984881246"/>
               </p:ext>
             </p:extLst>
           </p:nvPr>
         </p:nvGraphicFramePr>
         <p:xfrm>
           <a:off x="1885417" y="3257341"/>
-          <a:ext cx="13583184" cy="4888031"/>
+          <a:ext cx="13583184" cy="3874173"/>
         </p:xfrm>
         <a:graphic>
           <a:graphicData uri="http://schemas.openxmlformats.org/drawingml/2006/table">
@@ -5618,7 +5618,7 @@
                       <a:pPr algn="ctr"/>
                       <a:r>
                         <a:rPr lang="en-US" sz="3200" dirty="0"/>
-                        <a:t>Objective</a:t>
+                        <a:t>Raw Data RMSE</a:t>
                       </a:r>
                     </a:p>
                   </a:txBody>
@@ -5632,7 +5632,7 @@
                       <a:pPr algn="ctr"/>
                       <a:r>
                         <a:rPr lang="en-US" sz="3200" dirty="0"/>
-                        <a:t>RMSE (kWh)</a:t>
+                        <a:t>Iterative imputer RMSE</a:t>
                       </a:r>
                     </a:p>
                   </a:txBody>
@@ -5665,23 +5665,13 @@
                     <a:bodyPr/>
                     <a:lstStyle/>
                     <a:p>
-                      <a:pPr marL="457200" indent="-457200" algn="l">
+                      <a:pPr marL="0" indent="0" algn="ctr">
                         <a:buFont typeface="Arial" panose="020B0604020202020204" pitchFamily="34" charset="0"/>
-                        <a:buChar char="•"/>
+                        <a:buNone/>
                       </a:pPr>
                       <a:r>
                         <a:rPr lang="en-US" sz="3200" dirty="0"/>
-                        <a:t>Tweedie objective</a:t>
-                      </a:r>
-                    </a:p>
-                    <a:p>
-                      <a:pPr marL="457200" indent="-457200" algn="l">
-                        <a:buFont typeface="Arial" panose="020B0604020202020204" pitchFamily="34" charset="0"/>
-                        <a:buChar char="•"/>
-                      </a:pPr>
-                      <a:r>
-                        <a:rPr lang="en-US" sz="3200" dirty="0"/>
-                        <a:t>Basic datetime features + raw weather, no lag/rolling</a:t>
+                        <a:t>145.52</a:t>
                       </a:r>
                     </a:p>
                   </a:txBody>
@@ -5695,7 +5685,7 @@
                       <a:pPr algn="ctr"/>
                       <a:r>
                         <a:rPr lang="en-US" sz="3200" dirty="0"/>
-                        <a:t>~ 117</a:t>
+                        <a:t>117.36</a:t>
                       </a:r>
                     </a:p>
                   </a:txBody>
@@ -5731,23 +5721,13 @@
                     <a:bodyPr/>
                     <a:lstStyle/>
                     <a:p>
-                      <a:pPr marL="457200" indent="-457200" algn="l">
+                      <a:pPr marL="0" indent="0" algn="ctr">
                         <a:buFont typeface="Arial" panose="020B0604020202020204" pitchFamily="34" charset="0"/>
-                        <a:buChar char="•"/>
+                        <a:buNone/>
                       </a:pPr>
                       <a:r>
                         <a:rPr lang="en-US" sz="3200" dirty="0"/>
-                        <a:t>Square-error loss, learning rate 0.5</a:t>
-                      </a:r>
-                    </a:p>
-                    <a:p>
-                      <a:pPr marL="457200" indent="-457200" algn="l">
-                        <a:buFont typeface="Arial" panose="020B0604020202020204" pitchFamily="34" charset="0"/>
-                        <a:buChar char="•"/>
-                      </a:pPr>
-                      <a:r>
-                        <a:rPr lang="en-US" sz="3200" dirty="0"/>
-                        <a:t>Sane unput features</a:t>
+                        <a:t>128.66</a:t>
                       </a:r>
                     </a:p>
                   </a:txBody>
@@ -5760,9 +5740,10 @@
                     <a:p>
                       <a:pPr algn="ctr"/>
                       <a:r>
-                        <a:rPr lang="en-US" sz="3200" dirty="0"/>
-                        <a:t>~ 116</a:t>
-                      </a:r>
+                        <a:rPr lang="en-US" sz="3200"/>
+                        <a:t>116.65</a:t>
+                      </a:r>
+                      <a:endParaRPr lang="en-US" sz="3200" dirty="0"/>
                     </a:p>
                   </a:txBody>
                   <a:tcPr/>
